--- a/presentation/presentation.pptx
+++ b/presentation/presentation.pptx
@@ -206,7 +206,7 @@
           <a:p>
             <a:fld id="{85F79982-AC73-42A6-8510-A0BE8BF04376}" type="datetimeFigureOut">
               <a:rPr lang="de-DE" smtClean="0"/>
-              <a:t>28.10.2021</a:t>
+              <a:t>29.10.2021</a:t>
             </a:fld>
             <a:endParaRPr lang="de-DE"/>
           </a:p>
@@ -1239,7 +1239,7 @@
           <a:p>
             <a:fld id="{87C9FEDE-1600-4017-AA62-FBC08A5803FE}" type="datetimeFigureOut">
               <a:rPr lang="de-DE" smtClean="0"/>
-              <a:t>28.10.2021</a:t>
+              <a:t>29.10.2021</a:t>
             </a:fld>
             <a:endParaRPr lang="de-DE"/>
           </a:p>
@@ -1439,7 +1439,7 @@
           <a:p>
             <a:fld id="{87C9FEDE-1600-4017-AA62-FBC08A5803FE}" type="datetimeFigureOut">
               <a:rPr lang="de-DE" smtClean="0"/>
-              <a:t>28.10.2021</a:t>
+              <a:t>29.10.2021</a:t>
             </a:fld>
             <a:endParaRPr lang="de-DE"/>
           </a:p>
@@ -1649,7 +1649,7 @@
           <a:p>
             <a:fld id="{87C9FEDE-1600-4017-AA62-FBC08A5803FE}" type="datetimeFigureOut">
               <a:rPr lang="de-DE" smtClean="0"/>
-              <a:t>28.10.2021</a:t>
+              <a:t>29.10.2021</a:t>
             </a:fld>
             <a:endParaRPr lang="de-DE"/>
           </a:p>
@@ -1849,7 +1849,7 @@
           <a:p>
             <a:fld id="{87C9FEDE-1600-4017-AA62-FBC08A5803FE}" type="datetimeFigureOut">
               <a:rPr lang="de-DE" smtClean="0"/>
-              <a:t>28.10.2021</a:t>
+              <a:t>29.10.2021</a:t>
             </a:fld>
             <a:endParaRPr lang="de-DE"/>
           </a:p>
@@ -2125,7 +2125,7 @@
           <a:p>
             <a:fld id="{87C9FEDE-1600-4017-AA62-FBC08A5803FE}" type="datetimeFigureOut">
               <a:rPr lang="de-DE" smtClean="0"/>
-              <a:t>28.10.2021</a:t>
+              <a:t>29.10.2021</a:t>
             </a:fld>
             <a:endParaRPr lang="de-DE"/>
           </a:p>
@@ -2393,7 +2393,7 @@
           <a:p>
             <a:fld id="{87C9FEDE-1600-4017-AA62-FBC08A5803FE}" type="datetimeFigureOut">
               <a:rPr lang="de-DE" smtClean="0"/>
-              <a:t>28.10.2021</a:t>
+              <a:t>29.10.2021</a:t>
             </a:fld>
             <a:endParaRPr lang="de-DE"/>
           </a:p>
@@ -2808,7 +2808,7 @@
           <a:p>
             <a:fld id="{87C9FEDE-1600-4017-AA62-FBC08A5803FE}" type="datetimeFigureOut">
               <a:rPr lang="de-DE" smtClean="0"/>
-              <a:t>28.10.2021</a:t>
+              <a:t>29.10.2021</a:t>
             </a:fld>
             <a:endParaRPr lang="de-DE"/>
           </a:p>
@@ -2950,7 +2950,7 @@
           <a:p>
             <a:fld id="{87C9FEDE-1600-4017-AA62-FBC08A5803FE}" type="datetimeFigureOut">
               <a:rPr lang="de-DE" smtClean="0"/>
-              <a:t>28.10.2021</a:t>
+              <a:t>29.10.2021</a:t>
             </a:fld>
             <a:endParaRPr lang="de-DE"/>
           </a:p>
@@ -3063,7 +3063,7 @@
           <a:p>
             <a:fld id="{87C9FEDE-1600-4017-AA62-FBC08A5803FE}" type="datetimeFigureOut">
               <a:rPr lang="de-DE" smtClean="0"/>
-              <a:t>28.10.2021</a:t>
+              <a:t>29.10.2021</a:t>
             </a:fld>
             <a:endParaRPr lang="de-DE"/>
           </a:p>
@@ -3376,7 +3376,7 @@
           <a:p>
             <a:fld id="{87C9FEDE-1600-4017-AA62-FBC08A5803FE}" type="datetimeFigureOut">
               <a:rPr lang="de-DE" smtClean="0"/>
-              <a:t>28.10.2021</a:t>
+              <a:t>29.10.2021</a:t>
             </a:fld>
             <a:endParaRPr lang="de-DE"/>
           </a:p>
@@ -3665,7 +3665,7 @@
           <a:p>
             <a:fld id="{87C9FEDE-1600-4017-AA62-FBC08A5803FE}" type="datetimeFigureOut">
               <a:rPr lang="de-DE" smtClean="0"/>
-              <a:t>28.10.2021</a:t>
+              <a:t>29.10.2021</a:t>
             </a:fld>
             <a:endParaRPr lang="de-DE"/>
           </a:p>
@@ -3908,7 +3908,7 @@
           <a:p>
             <a:fld id="{87C9FEDE-1600-4017-AA62-FBC08A5803FE}" type="datetimeFigureOut">
               <a:rPr lang="de-DE" smtClean="0"/>
-              <a:t>28.10.2021</a:t>
+              <a:t>29.10.2021</a:t>
             </a:fld>
             <a:endParaRPr lang="de-DE"/>
           </a:p>
@@ -6466,7 +6466,7 @@
             </a:pPr>
             <a:r>
               <a:rPr lang="en-GB" dirty="0"/>
-              <a:t>  Rhythm </a:t>
+              <a:t>  Beat</a:t>
             </a:r>
           </a:p>
           <a:p>
@@ -7251,18 +7251,23 @@
             </a:pPr>
             <a:r>
               <a:rPr lang="en-GB" dirty="0"/>
-              <a:t>  Trade-off:  model complexity </a:t>
-            </a:r>
-            <a:r>
-              <a:rPr lang="en-GB" dirty="0">
+              <a:t>  Trade-off:  model </a:t>
+            </a:r>
+            <a:r>
+              <a:rPr lang="en-GB"/>
+              <a:t>complexity </a:t>
+            </a:r>
+            <a:r>
+              <a:rPr lang="en-GB">
                 <a:sym typeface="Wingdings" panose="05000000000000000000" pitchFamily="2" charset="2"/>
               </a:rPr>
               <a:t>          </a:t>
             </a:r>
             <a:r>
-              <a:rPr lang="en-GB" dirty="0"/>
-              <a:t> classification accuracy </a:t>
-            </a:r>
+              <a:rPr lang="en-GB"/>
+              <a:t> overfitting</a:t>
+            </a:r>
+            <a:endParaRPr lang="en-GB" dirty="0"/>
           </a:p>
           <a:p>
             <a:pPr lvl="1">
@@ -7282,16 +7287,8 @@
             </a:r>
           </a:p>
           <a:p>
-            <a:pPr>
-              <a:buBlip>
-                <a:blip r:embed="rId3">
-                  <a:extLst>
-                    <a:ext uri="{96DAC541-7B7A-43D3-8B79-37D633B846F1}">
-                      <asvg:svgBlip xmlns:asvg="http://schemas.microsoft.com/office/drawing/2016/SVG/main" r:embed="rId4"/>
-                    </a:ext>
-                  </a:extLst>
-                </a:blip>
-              </a:buBlip>
+            <a:pPr marL="0" indent="0">
+              <a:buNone/>
             </a:pPr>
             <a:endParaRPr lang="de-DE" dirty="0"/>
           </a:p>

--- a/presentation/presentation.pptx
+++ b/presentation/presentation.pptx
@@ -4613,7 +4613,7 @@
         </p:spPr>
         <p:txBody>
           <a:bodyPr>
-            <a:normAutofit fontScale="92500" lnSpcReduction="20000"/>
+            <a:normAutofit fontScale="92500" lnSpcReduction="10000"/>
           </a:bodyPr>
           <a:lstStyle/>
           <a:p>
@@ -4663,7 +4663,7 @@
             </a:pPr>
             <a:r>
               <a:rPr lang="en-GB" dirty="0"/>
-              <a:t>Helps understanding the mechanisms behind the subjective nature of human perception</a:t>
+              <a:t>Helps understanding how humans react to different music input</a:t>
             </a:r>
           </a:p>
           <a:p>
